--- a/NHOM1_BAITHUYETTRINH_LONGTUTRONG.pptx
+++ b/NHOM1_BAITHUYETTRINH_LONGTUTRONG.pptx
@@ -23,7 +23,6 @@
     <p:sldId id="269" r:id="rId17"/>
     <p:sldId id="271" r:id="rId18"/>
     <p:sldId id="274" r:id="rId19"/>
-    <p:sldId id="275" r:id="rId20"/>
   </p:sldIdLst>
   <p:sldSz cx="12192000" cy="6858000"/>
   <p:notesSz cx="6858000" cy="9144000"/>
@@ -122,6 +121,11 @@
       </a:defRPr>
     </a:lvl9pPr>
   </p:defaultTextStyle>
+  <p:extLst>
+    <p:ext uri="{EFAFB233-063F-42B5-8137-9DF3F51BA10A}">
+      <p15:sldGuideLst xmlns:p15="http://schemas.microsoft.com/office/powerpoint/2012/main"/>
+    </p:ext>
+  </p:extLst>
 </p:presentation>
 </file>
 
@@ -10397,11 +10401,11 @@
   <p:clrMapOvr>
     <a:masterClrMapping/>
   </p:clrMapOvr>
-  <mc:AlternateContent xmlns:mc="http://schemas.openxmlformats.org/markup-compatibility/2006">
-    <mc:Choice xmlns:p14="http://schemas.microsoft.com/office/powerpoint/2010/main" Requires="p14">
+  <mc:AlternateContent xmlns:mc="http://schemas.openxmlformats.org/markup-compatibility/2006" xmlns:p14="http://schemas.microsoft.com/office/powerpoint/2010/main">
+    <mc:Choice Requires="p14">
       <p:transition spd="slow" p14:dur="2000"/>
     </mc:Choice>
-    <mc:Fallback>
+    <mc:Fallback xmlns="">
       <p:transition spd="slow"/>
     </mc:Fallback>
   </mc:AlternateContent>
@@ -11099,11 +11103,11 @@
   <p:clrMapOvr>
     <a:masterClrMapping/>
   </p:clrMapOvr>
-  <mc:AlternateContent xmlns:mc="http://schemas.openxmlformats.org/markup-compatibility/2006">
-    <mc:Choice xmlns:p14="http://schemas.microsoft.com/office/powerpoint/2010/main" Requires="p14">
+  <mc:AlternateContent xmlns:mc="http://schemas.openxmlformats.org/markup-compatibility/2006" xmlns:p14="http://schemas.microsoft.com/office/powerpoint/2010/main">
+    <mc:Choice Requires="p14">
       <p:transition spd="slow" p14:dur="2000"/>
     </mc:Choice>
-    <mc:Fallback>
+    <mc:Fallback xmlns="">
       <p:transition spd="slow"/>
     </mc:Fallback>
   </mc:AlternateContent>
@@ -11898,11 +11902,11 @@
   <p:clrMapOvr>
     <a:masterClrMapping/>
   </p:clrMapOvr>
-  <mc:AlternateContent xmlns:mc="http://schemas.openxmlformats.org/markup-compatibility/2006">
-    <mc:Choice xmlns:p14="http://schemas.microsoft.com/office/powerpoint/2010/main" Requires="p14">
+  <mc:AlternateContent xmlns:mc="http://schemas.openxmlformats.org/markup-compatibility/2006" xmlns:p14="http://schemas.microsoft.com/office/powerpoint/2010/main">
+    <mc:Choice Requires="p14">
       <p:transition spd="slow" p14:dur="2000"/>
     </mc:Choice>
-    <mc:Fallback>
+    <mc:Fallback xmlns="">
       <p:transition spd="slow"/>
     </mc:Fallback>
   </mc:AlternateContent>
@@ -17770,354 +17774,6 @@
 </p:sld>
 </file>
 
-<file path=ppt/slides/slide19.xml><?xml version="1.0" encoding="utf-8"?>
-<p:sld xmlns:a="http://schemas.openxmlformats.org/drawingml/2006/main" xmlns:r="http://schemas.openxmlformats.org/officeDocument/2006/relationships" xmlns:p="http://schemas.openxmlformats.org/presentationml/2006/main">
-  <p:cSld>
-    <p:spTree>
-      <p:nvGrpSpPr>
-        <p:cNvPr id="1" name=""/>
-        <p:cNvGrpSpPr/>
-        <p:nvPr/>
-      </p:nvGrpSpPr>
-      <p:grpSpPr>
-        <a:xfrm>
-          <a:off x="0" y="0"/>
-          <a:ext cx="0" cy="0"/>
-          <a:chOff x="0" y="0"/>
-          <a:chExt cx="0" cy="0"/>
-        </a:xfrm>
-      </p:grpSpPr>
-      <p:pic>
-        <p:nvPicPr>
-          <p:cNvPr id="2" name="Picture 1"/>
-          <p:cNvPicPr>
-            <a:picLocks noChangeAspect="1"/>
-          </p:cNvPicPr>
-          <p:nvPr/>
-        </p:nvPicPr>
-        <p:blipFill>
-          <a:blip r:embed="rId2" cstate="print">
-            <a:extLst>
-              <a:ext uri="{28A0092B-C50C-407E-A947-70E740481C1C}">
-                <a14:useLocalDpi xmlns:a14="http://schemas.microsoft.com/office/drawing/2010/main" val="0"/>
-              </a:ext>
-            </a:extLst>
-          </a:blip>
-          <a:stretch>
-            <a:fillRect/>
-          </a:stretch>
-        </p:blipFill>
-        <p:spPr>
-          <a:xfrm>
-            <a:off x="0" y="0"/>
-            <a:ext cx="12192000" cy="6858000"/>
-          </a:xfrm>
-          <a:prstGeom prst="rect">
-            <a:avLst/>
-          </a:prstGeom>
-        </p:spPr>
-      </p:pic>
-      <p:sp>
-        <p:nvSpPr>
-          <p:cNvPr id="4" name="TextBox 3"/>
-          <p:cNvSpPr txBox="1"/>
-          <p:nvPr/>
-        </p:nvSpPr>
-        <p:spPr>
-          <a:xfrm>
-            <a:off x="1254035" y="1136469"/>
-            <a:ext cx="6831874" cy="1015663"/>
-          </a:xfrm>
-          <a:prstGeom prst="rect">
-            <a:avLst/>
-          </a:prstGeom>
-          <a:noFill/>
-        </p:spPr>
-        <p:txBody>
-          <a:bodyPr wrap="square" rtlCol="0">
-            <a:spAutoFit/>
-          </a:bodyPr>
-          <a:lstStyle/>
-          <a:p>
-            <a:r>
-              <a:rPr lang="en-US" sz="2400" b="1" dirty="0" smtClean="0">
-                <a:effectLst>
-                  <a:outerShdw blurRad="38100" dist="38100" dir="2700000" algn="tl">
-                    <a:srgbClr val="000000">
-                      <a:alpha val="43137"/>
-                    </a:srgbClr>
-                  </a:outerShdw>
-                </a:effectLst>
-              </a:rPr>
-              <a:t>THÀNH VIÊN NHÓM 1 (TỔ 1):</a:t>
-            </a:r>
-          </a:p>
-          <a:p>
-            <a:pPr marL="285750" indent="-285750">
-              <a:buFontTx/>
-              <a:buChar char="-"/>
-            </a:pPr>
-            <a:r>
-              <a:rPr lang="en-US" b="1" dirty="0" err="1" smtClean="0"/>
-              <a:t>Tô</a:t>
-            </a:r>
-            <a:r>
-              <a:rPr lang="en-US" b="1" dirty="0" smtClean="0"/>
-              <a:t> </a:t>
-            </a:r>
-            <a:r>
-              <a:rPr lang="en-US" b="1" dirty="0" err="1" smtClean="0"/>
-              <a:t>Anh</a:t>
-            </a:r>
-            <a:r>
-              <a:rPr lang="en-US" b="1" dirty="0" smtClean="0"/>
-              <a:t> </a:t>
-            </a:r>
-            <a:r>
-              <a:rPr lang="en-US" b="1" dirty="0" err="1" smtClean="0"/>
-              <a:t>Thư</a:t>
-            </a:r>
-            <a:r>
-              <a:rPr lang="en-US" b="1" dirty="0" smtClean="0"/>
-              <a:t> </a:t>
-            </a:r>
-            <a:r>
-              <a:rPr lang="en-US" dirty="0" smtClean="0"/>
-              <a:t>(</a:t>
-            </a:r>
-            <a:r>
-              <a:rPr lang="en-US" dirty="0" err="1" smtClean="0"/>
-              <a:t>thu</a:t>
-            </a:r>
-            <a:r>
-              <a:rPr lang="en-US" dirty="0" smtClean="0"/>
-              <a:t> </a:t>
-            </a:r>
-            <a:r>
-              <a:rPr lang="en-US" dirty="0" err="1" smtClean="0"/>
-              <a:t>thập</a:t>
-            </a:r>
-            <a:r>
-              <a:rPr lang="en-US" dirty="0" smtClean="0"/>
-              <a:t> </a:t>
-            </a:r>
-            <a:r>
-              <a:rPr lang="en-US" dirty="0" err="1" smtClean="0"/>
-              <a:t>thông</a:t>
-            </a:r>
-            <a:r>
-              <a:rPr lang="en-US" dirty="0" smtClean="0"/>
-              <a:t> tin </a:t>
-            </a:r>
-            <a:r>
-              <a:rPr lang="en-US" dirty="0" err="1" smtClean="0"/>
-              <a:t>và</a:t>
-            </a:r>
-            <a:r>
-              <a:rPr lang="en-US" dirty="0" smtClean="0"/>
-              <a:t> </a:t>
-            </a:r>
-            <a:r>
-              <a:rPr lang="en-US" dirty="0" err="1" smtClean="0"/>
-              <a:t>hình</a:t>
-            </a:r>
-            <a:r>
-              <a:rPr lang="en-US" dirty="0" smtClean="0"/>
-              <a:t> </a:t>
-            </a:r>
-            <a:r>
-              <a:rPr lang="en-US" dirty="0" err="1" smtClean="0"/>
-              <a:t>ảnh</a:t>
-            </a:r>
-            <a:r>
-              <a:rPr lang="en-US" dirty="0" smtClean="0"/>
-              <a:t>)</a:t>
-            </a:r>
-          </a:p>
-          <a:p>
-            <a:pPr marL="285750" indent="-285750">
-              <a:buFontTx/>
-              <a:buChar char="-"/>
-            </a:pPr>
-            <a:r>
-              <a:rPr lang="en-US" b="1" dirty="0" err="1" smtClean="0"/>
-              <a:t>Huỳnh</a:t>
-            </a:r>
-            <a:r>
-              <a:rPr lang="en-US" b="1" dirty="0" smtClean="0"/>
-              <a:t> </a:t>
-            </a:r>
-            <a:r>
-              <a:rPr lang="en-US" b="1" dirty="0" err="1" smtClean="0"/>
-              <a:t>Xuân</a:t>
-            </a:r>
-            <a:r>
-              <a:rPr lang="en-US" b="1" dirty="0" smtClean="0"/>
-              <a:t> </a:t>
-            </a:r>
-            <a:r>
-              <a:rPr lang="en-US" b="1" dirty="0" err="1" smtClean="0"/>
-              <a:t>Hiếu</a:t>
-            </a:r>
-            <a:r>
-              <a:rPr lang="en-US" b="1" dirty="0" smtClean="0"/>
-              <a:t> </a:t>
-            </a:r>
-            <a:r>
-              <a:rPr lang="en-US" dirty="0" smtClean="0"/>
-              <a:t>(</a:t>
-            </a:r>
-            <a:r>
-              <a:rPr lang="en-US" dirty="0" err="1" smtClean="0"/>
-              <a:t>thực</a:t>
-            </a:r>
-            <a:r>
-              <a:rPr lang="en-US" dirty="0" smtClean="0"/>
-              <a:t> </a:t>
-            </a:r>
-            <a:r>
-              <a:rPr lang="en-US" dirty="0" err="1" smtClean="0"/>
-              <a:t>hiện</a:t>
-            </a:r>
-            <a:r>
-              <a:rPr lang="en-US" dirty="0" smtClean="0"/>
-              <a:t> </a:t>
-            </a:r>
-            <a:r>
-              <a:rPr lang="en-US" dirty="0" err="1" smtClean="0"/>
-              <a:t>biên</a:t>
-            </a:r>
-            <a:r>
-              <a:rPr lang="en-US" dirty="0" smtClean="0"/>
-              <a:t> </a:t>
-            </a:r>
-            <a:r>
-              <a:rPr lang="en-US" dirty="0" err="1" smtClean="0"/>
-              <a:t>tập</a:t>
-            </a:r>
-            <a:r>
-              <a:rPr lang="en-US" dirty="0" smtClean="0"/>
-              <a:t> </a:t>
-            </a:r>
-            <a:r>
-              <a:rPr lang="en-US" dirty="0" err="1" smtClean="0"/>
-              <a:t>trên</a:t>
-            </a:r>
-            <a:r>
-              <a:rPr lang="en-US" dirty="0" smtClean="0"/>
-              <a:t> </a:t>
-            </a:r>
-            <a:r>
-              <a:rPr lang="en-US" dirty="0" err="1" smtClean="0"/>
-              <a:t>Powerpoint</a:t>
-            </a:r>
-            <a:r>
-              <a:rPr lang="en-US" dirty="0" smtClean="0"/>
-              <a:t>)</a:t>
-            </a:r>
-            <a:endParaRPr lang="en-US" dirty="0"/>
-          </a:p>
-        </p:txBody>
-      </p:sp>
-    </p:spTree>
-    <p:extLst>
-      <p:ext uri="{BB962C8B-B14F-4D97-AF65-F5344CB8AC3E}">
-        <p14:creationId xmlns:p14="http://schemas.microsoft.com/office/powerpoint/2010/main" val="3909352614"/>
-      </p:ext>
-    </p:extLst>
-  </p:cSld>
-  <p:clrMapOvr>
-    <a:masterClrMapping/>
-  </p:clrMapOvr>
-  <p:timing>
-    <p:tnLst>
-      <p:par>
-        <p:cTn id="1" dur="indefinite" restart="never" nodeType="tmRoot">
-          <p:childTnLst>
-            <p:seq concurrent="1" nextAc="seek">
-              <p:cTn id="2" dur="indefinite" nodeType="mainSeq">
-                <p:childTnLst>
-                  <p:par>
-                    <p:cTn id="3" fill="hold">
-                      <p:stCondLst>
-                        <p:cond delay="indefinite"/>
-                      </p:stCondLst>
-                      <p:childTnLst>
-                        <p:par>
-                          <p:cTn id="4" fill="hold">
-                            <p:stCondLst>
-                              <p:cond delay="0"/>
-                            </p:stCondLst>
-                            <p:childTnLst>
-                              <p:par>
-                                <p:cTn id="5" presetID="10" presetClass="entr" presetSubtype="0" fill="hold" grpId="0" nodeType="clickEffect">
-                                  <p:stCondLst>
-                                    <p:cond delay="0"/>
-                                  </p:stCondLst>
-                                  <p:childTnLst>
-                                    <p:set>
-                                      <p:cBhvr>
-                                        <p:cTn id="6" dur="1" fill="hold">
-                                          <p:stCondLst>
-                                            <p:cond delay="0"/>
-                                          </p:stCondLst>
-                                        </p:cTn>
-                                        <p:tgtEl>
-                                          <p:spTgt spid="4"/>
-                                        </p:tgtEl>
-                                        <p:attrNameLst>
-                                          <p:attrName>style.visibility</p:attrName>
-                                        </p:attrNameLst>
-                                      </p:cBhvr>
-                                      <p:to>
-                                        <p:strVal val="visible"/>
-                                      </p:to>
-                                    </p:set>
-                                    <p:animEffect transition="in" filter="fade">
-                                      <p:cBhvr>
-                                        <p:cTn id="7" dur="4000"/>
-                                        <p:tgtEl>
-                                          <p:spTgt spid="4"/>
-                                        </p:tgtEl>
-                                      </p:cBhvr>
-                                    </p:animEffect>
-                                  </p:childTnLst>
-                                </p:cTn>
-                              </p:par>
-                            </p:childTnLst>
-                          </p:cTn>
-                        </p:par>
-                      </p:childTnLst>
-                    </p:cTn>
-                  </p:par>
-                </p:childTnLst>
-              </p:cTn>
-              <p:prevCondLst>
-                <p:cond evt="onPrev" delay="0">
-                  <p:tgtEl>
-                    <p:sldTgt/>
-                  </p:tgtEl>
-                </p:cond>
-              </p:prevCondLst>
-              <p:nextCondLst>
-                <p:cond evt="onNext" delay="0">
-                  <p:tgtEl>
-                    <p:sldTgt/>
-                  </p:tgtEl>
-                </p:cond>
-              </p:nextCondLst>
-            </p:seq>
-          </p:childTnLst>
-        </p:cTn>
-      </p:par>
-    </p:tnLst>
-    <p:bldLst>
-      <p:bldP spid="4" grpId="0"/>
-    </p:bldLst>
-  </p:timing>
-</p:sld>
-</file>
-
 <file path=ppt/slides/slide2.xml><?xml version="1.0" encoding="utf-8"?>
 <p:sld xmlns:a="http://schemas.openxmlformats.org/drawingml/2006/main" xmlns:r="http://schemas.openxmlformats.org/officeDocument/2006/relationships" xmlns:p="http://schemas.openxmlformats.org/presentationml/2006/main">
   <p:cSld>
@@ -18347,13 +18003,13 @@
   <p:clrMapOvr>
     <a:masterClrMapping/>
   </p:clrMapOvr>
-  <mc:AlternateContent xmlns:mc="http://schemas.openxmlformats.org/markup-compatibility/2006">
-    <mc:Choice xmlns:p14="http://schemas.microsoft.com/office/powerpoint/2010/main" Requires="p14">
+  <mc:AlternateContent xmlns:mc="http://schemas.openxmlformats.org/markup-compatibility/2006" xmlns:p14="http://schemas.microsoft.com/office/powerpoint/2010/main">
+    <mc:Choice Requires="p14">
       <p:transition spd="slow" p14:dur="800">
         <p:circle/>
       </p:transition>
     </mc:Choice>
-    <mc:Fallback>
+    <mc:Fallback xmlns="">
       <p:transition spd="slow">
         <p:circle/>
       </p:transition>
@@ -21514,11 +21170,11 @@
   <p:clrMapOvr>
     <a:masterClrMapping/>
   </p:clrMapOvr>
-  <mc:AlternateContent xmlns:mc="http://schemas.openxmlformats.org/markup-compatibility/2006">
-    <mc:Choice xmlns:p14="http://schemas.microsoft.com/office/powerpoint/2010/main" Requires="p14">
+  <mc:AlternateContent xmlns:mc="http://schemas.openxmlformats.org/markup-compatibility/2006" xmlns:p14="http://schemas.microsoft.com/office/powerpoint/2010/main">
+    <mc:Choice Requires="p14">
       <p:transition spd="slow" p14:dur="2000"/>
     </mc:Choice>
-    <mc:Fallback>
+    <mc:Fallback xmlns="">
       <p:transition spd="slow"/>
     </mc:Fallback>
   </mc:AlternateContent>
@@ -22300,11 +21956,11 @@
   <p:clrMapOvr>
     <a:masterClrMapping/>
   </p:clrMapOvr>
-  <mc:AlternateContent xmlns:mc="http://schemas.openxmlformats.org/markup-compatibility/2006">
-    <mc:Choice xmlns:p14="http://schemas.microsoft.com/office/powerpoint/2010/main" Requires="p14">
+  <mc:AlternateContent xmlns:mc="http://schemas.openxmlformats.org/markup-compatibility/2006" xmlns:p14="http://schemas.microsoft.com/office/powerpoint/2010/main">
+    <mc:Choice Requires="p14">
       <p:transition spd="slow" p14:dur="2000"/>
     </mc:Choice>
-    <mc:Fallback>
+    <mc:Fallback xmlns="">
       <p:transition spd="slow"/>
     </mc:Fallback>
   </mc:AlternateContent>
@@ -23189,11 +22845,11 @@
   <p:clrMapOvr>
     <a:masterClrMapping/>
   </p:clrMapOvr>
-  <mc:AlternateContent xmlns:mc="http://schemas.openxmlformats.org/markup-compatibility/2006">
-    <mc:Choice xmlns:p14="http://schemas.microsoft.com/office/powerpoint/2010/main" Requires="p14">
+  <mc:AlternateContent xmlns:mc="http://schemas.openxmlformats.org/markup-compatibility/2006" xmlns:p14="http://schemas.microsoft.com/office/powerpoint/2010/main">
+    <mc:Choice Requires="p14">
       <p:transition spd="slow" p14:dur="2000"/>
     </mc:Choice>
-    <mc:Fallback>
+    <mc:Fallback xmlns="">
       <p:transition spd="slow"/>
     </mc:Fallback>
   </mc:AlternateContent>
@@ -27693,13 +27349,13 @@
   <p:clrMapOvr>
     <a:masterClrMapping/>
   </p:clrMapOvr>
-  <mc:AlternateContent xmlns:mc="http://schemas.openxmlformats.org/markup-compatibility/2006">
-    <mc:Choice xmlns:p14="http://schemas.microsoft.com/office/powerpoint/2010/main" Requires="p14">
+  <mc:AlternateContent xmlns:mc="http://schemas.openxmlformats.org/markup-compatibility/2006" xmlns:p14="http://schemas.microsoft.com/office/powerpoint/2010/main">
+    <mc:Choice Requires="p14">
       <p:transition spd="slow" p14:dur="3400">
         <p14:reveal/>
       </p:transition>
     </mc:Choice>
-    <mc:Fallback>
+    <mc:Fallback xmlns="">
       <p:transition spd="slow">
         <p:fade/>
       </p:transition>
